--- a/Final Project.pptx
+++ b/Final Project.pptx
@@ -11816,7 +11816,7 @@
           <a:p>
             <a:fld id="{EA0C0817-A112-4847-8014-A94B7D2A4EA3}" type="datetime1">
               <a:rPr lang="en-US" smtClean="0"/>
-              <a:t>10/12/2019</a:t>
+              <a:t>10/15/2019</a:t>
             </a:fld>
             <a:endParaRPr lang="en-US" dirty="0"/>
           </a:p>
@@ -12018,7 +12018,7 @@
           <a:p>
             <a:fld id="{134F40B7-36AB-4376-BE14-EF7004D79BB9}" type="datetime1">
               <a:rPr lang="en-US" smtClean="0"/>
-              <a:t>10/12/2019</a:t>
+              <a:t>10/15/2019</a:t>
             </a:fld>
             <a:endParaRPr lang="en-US"/>
           </a:p>
@@ -12198,7 +12198,7 @@
           <a:p>
             <a:fld id="{FF87CAB8-DCAE-46A5-AADA-B3FAD11A54E0}" type="datetime1">
               <a:rPr lang="en-US" smtClean="0"/>
-              <a:t>10/12/2019</a:t>
+              <a:t>10/15/2019</a:t>
             </a:fld>
             <a:endParaRPr lang="en-US"/>
           </a:p>
@@ -12368,7 +12368,7 @@
           <a:p>
             <a:fld id="{7332B432-ACDA-4023-A761-2BAB76577B62}" type="datetime1">
               <a:rPr lang="en-US" smtClean="0"/>
-              <a:t>10/12/2019</a:t>
+              <a:t>10/15/2019</a:t>
             </a:fld>
             <a:endParaRPr lang="en-US"/>
           </a:p>
@@ -12967,7 +12967,7 @@
           <a:p>
             <a:fld id="{D9C646AA-F36E-4540-911D-FFFC0A0EF24A}" type="datetime1">
               <a:rPr lang="en-US" smtClean="0"/>
-              <a:t>10/12/2019</a:t>
+              <a:t>10/15/2019</a:t>
             </a:fld>
             <a:endParaRPr lang="en-US" dirty="0"/>
           </a:p>
@@ -13287,7 +13287,7 @@
           <a:p>
             <a:fld id="{69186D26-FA5F-4637-B602-B7C2DC34CFD4}" type="datetime1">
               <a:rPr lang="en-US" smtClean="0"/>
-              <a:t>10/12/2019</a:t>
+              <a:t>10/15/2019</a:t>
             </a:fld>
             <a:endParaRPr lang="en-US"/>
           </a:p>
@@ -13722,7 +13722,7 @@
           <a:p>
             <a:fld id="{8A7F15D8-96D1-4781-BC50-CA8A088B2FE4}" type="datetime1">
               <a:rPr lang="en-US" smtClean="0"/>
-              <a:t>10/12/2019</a:t>
+              <a:t>10/15/2019</a:t>
             </a:fld>
             <a:endParaRPr lang="en-US"/>
           </a:p>
@@ -13840,7 +13840,7 @@
           <a:p>
             <a:fld id="{F9A96C99-B8F8-4528-BD05-0E16E943DC09}" type="datetime1">
               <a:rPr lang="en-US" smtClean="0"/>
-              <a:t>10/12/2019</a:t>
+              <a:t>10/15/2019</a:t>
             </a:fld>
             <a:endParaRPr lang="en-US"/>
           </a:p>
@@ -13935,7 +13935,7 @@
           <a:p>
             <a:fld id="{03636942-C211-4B28-8DBD-C953E00AF71B}" type="datetime1">
               <a:rPr lang="en-US" smtClean="0"/>
-              <a:t>10/12/2019</a:t>
+              <a:t>10/15/2019</a:t>
             </a:fld>
             <a:endParaRPr lang="en-US"/>
           </a:p>
@@ -14352,7 +14352,7 @@
           <a:p>
             <a:fld id="{7E8D12A6-918A-48BD-8CB9-CA713993B0EA}" type="datetime1">
               <a:rPr lang="en-US" smtClean="0"/>
-              <a:t>10/12/2019</a:t>
+              <a:t>10/15/2019</a:t>
             </a:fld>
             <a:endParaRPr lang="en-US"/>
           </a:p>
@@ -14614,7 +14614,7 @@
             <a:fld id="{E778CE86-875F-4587-BCF6-FA054AFC0D53}" type="datetime1">
               <a:rPr lang="en-US" smtClean="0"/>
               <a:pPr/>
-              <a:t>10/12/2019</a:t>
+              <a:t>10/15/2019</a:t>
             </a:fld>
             <a:endParaRPr lang="en-US" dirty="0"/>
           </a:p>
@@ -15130,7 +15130,7 @@
           <a:p>
             <a:fld id="{F6FA2B21-3FCD-4721-B95C-427943F61125}" type="datetime1">
               <a:rPr lang="en-US" smtClean="0"/>
-              <a:t>10/12/2019</a:t>
+              <a:t>10/15/2019</a:t>
             </a:fld>
             <a:endParaRPr lang="en-US"/>
           </a:p>
@@ -16151,8 +16151,8 @@
         </p:blipFill>
         <p:spPr>
           <a:xfrm>
-            <a:off x="2939204" y="1905012"/>
-            <a:ext cx="6313592" cy="4505011"/>
+            <a:off x="3551582" y="2341970"/>
+            <a:ext cx="5701213" cy="4068053"/>
           </a:xfrm>
           <a:prstGeom prst="rect">
             <a:avLst/>
@@ -16686,8 +16686,8 @@
         </p:blipFill>
         <p:spPr>
           <a:xfrm>
-            <a:off x="2415654" y="2014194"/>
-            <a:ext cx="6400800" cy="4456471"/>
+            <a:off x="3147329" y="2213113"/>
+            <a:ext cx="5563108" cy="3873239"/>
           </a:xfrm>
           <a:prstGeom prst="rect">
             <a:avLst/>
@@ -17020,7 +17020,7 @@
                   <a:srgbClr val="FFFFFF"/>
                 </a:solidFill>
               </a:rPr>
-              <a:t>Bulgaria – the import from USA will rise during the next 3 years. We see that since 2009 there was not import of pork from the US but from 2018 till mid 2019 in total there were 23 tonnes of pork imported from the US. This might be as a result of the recent swine fever that affected the pig agriculture in many countries in the Eastern Europe.</a:t>
+              <a:t>Bulgaria – the import from USA will rise during the next 3 years. We see that since 2009 there has not been any import of pork from the US. However, from 2018 till mid 2019 in total there were 23 tonnes of pork imported from the US. This might be as a result of the recent swine fever that affected the pig agriculture in many countries in the Eastern Europe.</a:t>
             </a:r>
           </a:p>
           <a:p>
@@ -17030,7 +17030,7 @@
                   <a:srgbClr val="FFFFFF"/>
                 </a:solidFill>
               </a:rPr>
-              <a:t>Brazil – the import of meat is decreasing during the next 3 years which might mean that they started producing their own meat. If this is true, Brazil needs more land in order to </a:t>
+              <a:t>Brazil – the import of meat will be decreasing during the next 3 years which might mean that they started producing their own meat. If this is true, Brazil needs more land in order to </a:t>
             </a:r>
             <a:r>
               <a:rPr lang="en-GB" sz="2000" dirty="0" err="1">
